--- a/Systemarchitektur.pptx
+++ b/Systemarchitektur.pptx
@@ -254,7 +254,7 @@
           <a:p>
             <a:fld id="{AB51C020-48E7-4EB0-B349-B4DB55DBFBA1}" type="datetimeFigureOut">
               <a:rPr lang="de-DE" smtClean="0"/>
-              <a:t>30.04.2025</a:t>
+              <a:t>06.05.2025</a:t>
             </a:fld>
             <a:endParaRPr lang="de-DE"/>
           </a:p>
@@ -424,7 +424,7 @@
           <a:p>
             <a:fld id="{AB51C020-48E7-4EB0-B349-B4DB55DBFBA1}" type="datetimeFigureOut">
               <a:rPr lang="de-DE" smtClean="0"/>
-              <a:t>30.04.2025</a:t>
+              <a:t>06.05.2025</a:t>
             </a:fld>
             <a:endParaRPr lang="de-DE"/>
           </a:p>
@@ -604,7 +604,7 @@
           <a:p>
             <a:fld id="{AB51C020-48E7-4EB0-B349-B4DB55DBFBA1}" type="datetimeFigureOut">
               <a:rPr lang="de-DE" smtClean="0"/>
-              <a:t>30.04.2025</a:t>
+              <a:t>06.05.2025</a:t>
             </a:fld>
             <a:endParaRPr lang="de-DE"/>
           </a:p>
@@ -774,7 +774,7 @@
           <a:p>
             <a:fld id="{AB51C020-48E7-4EB0-B349-B4DB55DBFBA1}" type="datetimeFigureOut">
               <a:rPr lang="de-DE" smtClean="0"/>
-              <a:t>30.04.2025</a:t>
+              <a:t>06.05.2025</a:t>
             </a:fld>
             <a:endParaRPr lang="de-DE"/>
           </a:p>
@@ -1020,7 +1020,7 @@
           <a:p>
             <a:fld id="{AB51C020-48E7-4EB0-B349-B4DB55DBFBA1}" type="datetimeFigureOut">
               <a:rPr lang="de-DE" smtClean="0"/>
-              <a:t>30.04.2025</a:t>
+              <a:t>06.05.2025</a:t>
             </a:fld>
             <a:endParaRPr lang="de-DE"/>
           </a:p>
@@ -1252,7 +1252,7 @@
           <a:p>
             <a:fld id="{AB51C020-48E7-4EB0-B349-B4DB55DBFBA1}" type="datetimeFigureOut">
               <a:rPr lang="de-DE" smtClean="0"/>
-              <a:t>30.04.2025</a:t>
+              <a:t>06.05.2025</a:t>
             </a:fld>
             <a:endParaRPr lang="de-DE"/>
           </a:p>
@@ -1619,7 +1619,7 @@
           <a:p>
             <a:fld id="{AB51C020-48E7-4EB0-B349-B4DB55DBFBA1}" type="datetimeFigureOut">
               <a:rPr lang="de-DE" smtClean="0"/>
-              <a:t>30.04.2025</a:t>
+              <a:t>06.05.2025</a:t>
             </a:fld>
             <a:endParaRPr lang="de-DE"/>
           </a:p>
@@ -1737,7 +1737,7 @@
           <a:p>
             <a:fld id="{AB51C020-48E7-4EB0-B349-B4DB55DBFBA1}" type="datetimeFigureOut">
               <a:rPr lang="de-DE" smtClean="0"/>
-              <a:t>30.04.2025</a:t>
+              <a:t>06.05.2025</a:t>
             </a:fld>
             <a:endParaRPr lang="de-DE"/>
           </a:p>
@@ -1832,7 +1832,7 @@
           <a:p>
             <a:fld id="{AB51C020-48E7-4EB0-B349-B4DB55DBFBA1}" type="datetimeFigureOut">
               <a:rPr lang="de-DE" smtClean="0"/>
-              <a:t>30.04.2025</a:t>
+              <a:t>06.05.2025</a:t>
             </a:fld>
             <a:endParaRPr lang="de-DE"/>
           </a:p>
@@ -2109,7 +2109,7 @@
           <a:p>
             <a:fld id="{AB51C020-48E7-4EB0-B349-B4DB55DBFBA1}" type="datetimeFigureOut">
               <a:rPr lang="de-DE" smtClean="0"/>
-              <a:t>30.04.2025</a:t>
+              <a:t>06.05.2025</a:t>
             </a:fld>
             <a:endParaRPr lang="de-DE"/>
           </a:p>
@@ -2366,7 +2366,7 @@
           <a:p>
             <a:fld id="{AB51C020-48E7-4EB0-B349-B4DB55DBFBA1}" type="datetimeFigureOut">
               <a:rPr lang="de-DE" smtClean="0"/>
-              <a:t>30.04.2025</a:t>
+              <a:t>06.05.2025</a:t>
             </a:fld>
             <a:endParaRPr lang="de-DE"/>
           </a:p>
@@ -2579,7 +2579,7 @@
           <a:p>
             <a:fld id="{AB51C020-48E7-4EB0-B349-B4DB55DBFBA1}" type="datetimeFigureOut">
               <a:rPr lang="de-DE" smtClean="0"/>
-              <a:t>30.04.2025</a:t>
+              <a:t>06.05.2025</a:t>
             </a:fld>
             <a:endParaRPr lang="de-DE"/>
           </a:p>
@@ -3368,62 +3368,7 @@
             <a:pPr algn="ctr"/>
             <a:r>
               <a:rPr lang="de-DE" sz="2200" dirty="0"/>
-              <a:t>ESP32-S3</a:t>
-            </a:r>
-          </a:p>
-        </p:txBody>
-      </p:sp>
-      <p:sp>
-        <p:nvSpPr>
-          <p:cNvPr id="12" name="Rechteck 11">
-            <a:extLst>
-              <a:ext uri="{FF2B5EF4-FFF2-40B4-BE49-F238E27FC236}">
-                <a16:creationId xmlns:a16="http://schemas.microsoft.com/office/drawing/2014/main" id="{4A7ABCF4-29F0-F103-7905-C51464FDD34B}"/>
-              </a:ext>
-            </a:extLst>
-          </p:cNvPr>
-          <p:cNvSpPr/>
-          <p:nvPr/>
-        </p:nvSpPr>
-        <p:spPr>
-          <a:xfrm>
-            <a:off x="3286904" y="10811232"/>
-            <a:ext cx="2190750" cy="685800"/>
-          </a:xfrm>
-          <a:prstGeom prst="rect">
-            <a:avLst/>
-          </a:prstGeom>
-          <a:solidFill>
-            <a:schemeClr val="bg1">
-              <a:lumMod val="50000"/>
-            </a:schemeClr>
-          </a:solidFill>
-          <a:ln w="28575"/>
-        </p:spPr>
-        <p:style>
-          <a:lnRef idx="2">
-            <a:schemeClr val="accent6">
-              <a:shade val="15000"/>
-            </a:schemeClr>
-          </a:lnRef>
-          <a:fillRef idx="1">
-            <a:schemeClr val="accent6"/>
-          </a:fillRef>
-          <a:effectRef idx="0">
-            <a:schemeClr val="accent6"/>
-          </a:effectRef>
-          <a:fontRef idx="minor">
-            <a:schemeClr val="lt1"/>
-          </a:fontRef>
-        </p:style>
-        <p:txBody>
-          <a:bodyPr rtlCol="0" anchor="ctr"/>
-          <a:lstStyle/>
-          <a:p>
-            <a:pPr algn="ctr"/>
-            <a:r>
-              <a:rPr lang="de-DE" sz="2200" dirty="0"/>
-              <a:t>Relais</a:t>
+              <a:t>ESP32-S3 Master</a:t>
             </a:r>
           </a:p>
         </p:txBody>
@@ -3442,7 +3387,7 @@
         </p:nvSpPr>
         <p:spPr>
           <a:xfrm>
-            <a:off x="6182180" y="10811232"/>
+            <a:off x="4789301" y="10811232"/>
             <a:ext cx="2190750" cy="685800"/>
           </a:xfrm>
           <a:prstGeom prst="rect">
@@ -4011,7 +3956,7 @@
         </p:nvCxnSpPr>
         <p:spPr>
           <a:xfrm>
-            <a:off x="5049612" y="8903607"/>
+            <a:off x="12262376" y="11806571"/>
             <a:ext cx="0" cy="1745343"/>
           </a:xfrm>
           <a:prstGeom prst="straightConnector1">
@@ -4055,7 +4000,7 @@
         </p:nvCxnSpPr>
         <p:spPr>
           <a:xfrm>
-            <a:off x="6560912" y="8903606"/>
+            <a:off x="5884676" y="8963477"/>
             <a:ext cx="0" cy="1745343"/>
           </a:xfrm>
           <a:prstGeom prst="straightConnector1">
@@ -4566,7 +4511,7 @@
         </p:nvSpPr>
         <p:spPr>
           <a:xfrm rot="16200000">
-            <a:off x="5533547" y="9298418"/>
+            <a:off x="4854152" y="9331582"/>
             <a:ext cx="2054730" cy="646331"/>
           </a:xfrm>
           <a:prstGeom prst="rect">
@@ -4607,7 +4552,7 @@
         </p:nvSpPr>
         <p:spPr>
           <a:xfrm rot="16200000">
-            <a:off x="4089378" y="9534640"/>
+            <a:off x="11322323" y="12436316"/>
             <a:ext cx="1446486" cy="369332"/>
           </a:xfrm>
           <a:prstGeom prst="rect">
@@ -4795,7 +4740,7 @@
         <p:spPr>
           <a:xfrm>
             <a:off x="7177355" y="7777779"/>
-            <a:ext cx="3509935" cy="369332"/>
+            <a:ext cx="1481816" cy="369332"/>
           </a:xfrm>
           <a:prstGeom prst="rect">
             <a:avLst/>
@@ -4810,7 +4755,7 @@
           <a:p>
             <a:r>
               <a:rPr lang="de-DE" dirty="0"/>
-              <a:t>Schaltbefehl Relais, Energiewerte</a:t>
+              <a:t>Energiewerte</a:t>
             </a:r>
           </a:p>
         </p:txBody>
@@ -4829,8 +4774,8 @@
         </p:nvSpPr>
         <p:spPr>
           <a:xfrm>
-            <a:off x="7163326" y="8268123"/>
-            <a:ext cx="3222934" cy="369332"/>
+            <a:off x="7163326" y="8317146"/>
+            <a:ext cx="3222934" cy="646331"/>
           </a:xfrm>
           <a:prstGeom prst="rect">
             <a:avLst/>
@@ -4846,6 +4791,291 @@
             <a:r>
               <a:rPr lang="de-DE" dirty="0"/>
               <a:t>Raum Messwerte, Logs/Events</a:t>
+            </a:r>
+          </a:p>
+          <a:p>
+            <a:r>
+              <a:rPr lang="de-DE" dirty="0"/>
+              <a:t>Schaltbefehl Relais</a:t>
+            </a:r>
+          </a:p>
+        </p:txBody>
+      </p:sp>
+      <p:sp>
+        <p:nvSpPr>
+          <p:cNvPr id="2" name="Rechteck 1">
+            <a:extLst>
+              <a:ext uri="{FF2B5EF4-FFF2-40B4-BE49-F238E27FC236}">
+                <a16:creationId xmlns:a16="http://schemas.microsoft.com/office/drawing/2014/main" id="{5D3777C6-ACF7-1DFB-0315-8FC4ACDB52B2}"/>
+              </a:ext>
+            </a:extLst>
+          </p:cNvPr>
+          <p:cNvSpPr/>
+          <p:nvPr/>
+        </p:nvSpPr>
+        <p:spPr>
+          <a:xfrm>
+            <a:off x="11222789" y="10811232"/>
+            <a:ext cx="2190750" cy="685800"/>
+          </a:xfrm>
+          <a:prstGeom prst="rect">
+            <a:avLst/>
+          </a:prstGeom>
+          <a:solidFill>
+            <a:srgbClr val="FF0000"/>
+          </a:solidFill>
+          <a:ln w="28575"/>
+        </p:spPr>
+        <p:style>
+          <a:lnRef idx="2">
+            <a:schemeClr val="accent6">
+              <a:shade val="15000"/>
+            </a:schemeClr>
+          </a:lnRef>
+          <a:fillRef idx="1">
+            <a:schemeClr val="accent6"/>
+          </a:fillRef>
+          <a:effectRef idx="0">
+            <a:schemeClr val="accent6"/>
+          </a:effectRef>
+          <a:fontRef idx="minor">
+            <a:schemeClr val="lt1"/>
+          </a:fontRef>
+        </p:style>
+        <p:txBody>
+          <a:bodyPr rtlCol="0" anchor="ctr"/>
+          <a:lstStyle/>
+          <a:p>
+            <a:pPr algn="ctr"/>
+            <a:r>
+              <a:rPr lang="de-DE" sz="2200" dirty="0"/>
+              <a:t>ESP32-S3</a:t>
+            </a:r>
+          </a:p>
+          <a:p>
+            <a:pPr algn="ctr"/>
+            <a:r>
+              <a:rPr lang="de-DE" sz="2200" dirty="0"/>
+              <a:t>Sub</a:t>
+            </a:r>
+          </a:p>
+        </p:txBody>
+      </p:sp>
+      <p:sp>
+        <p:nvSpPr>
+          <p:cNvPr id="3" name="Rechteck 2">
+            <a:extLst>
+              <a:ext uri="{FF2B5EF4-FFF2-40B4-BE49-F238E27FC236}">
+                <a16:creationId xmlns:a16="http://schemas.microsoft.com/office/drawing/2014/main" id="{4A7ABCF4-29F0-F103-7905-C51464FDD34B}"/>
+              </a:ext>
+            </a:extLst>
+          </p:cNvPr>
+          <p:cNvSpPr/>
+          <p:nvPr/>
+        </p:nvSpPr>
+        <p:spPr>
+          <a:xfrm>
+            <a:off x="11222789" y="13744932"/>
+            <a:ext cx="2190750" cy="685800"/>
+          </a:xfrm>
+          <a:prstGeom prst="rect">
+            <a:avLst/>
+          </a:prstGeom>
+          <a:solidFill>
+            <a:schemeClr val="bg1">
+              <a:lumMod val="50000"/>
+            </a:schemeClr>
+          </a:solidFill>
+          <a:ln w="28575"/>
+        </p:spPr>
+        <p:style>
+          <a:lnRef idx="2">
+            <a:schemeClr val="accent6">
+              <a:shade val="15000"/>
+            </a:schemeClr>
+          </a:lnRef>
+          <a:fillRef idx="1">
+            <a:schemeClr val="accent6"/>
+          </a:fillRef>
+          <a:effectRef idx="0">
+            <a:schemeClr val="accent6"/>
+          </a:effectRef>
+          <a:fontRef idx="minor">
+            <a:schemeClr val="lt1"/>
+          </a:fontRef>
+        </p:style>
+        <p:txBody>
+          <a:bodyPr rtlCol="0" anchor="ctr"/>
+          <a:lstStyle/>
+          <a:p>
+            <a:pPr algn="ctr"/>
+            <a:r>
+              <a:rPr lang="de-DE" sz="2200" dirty="0"/>
+              <a:t>Relais</a:t>
+            </a:r>
+          </a:p>
+        </p:txBody>
+      </p:sp>
+      <p:cxnSp>
+        <p:nvCxnSpPr>
+          <p:cNvPr id="4" name="Gerade Verbindung mit Pfeil 3">
+            <a:extLst>
+              <a:ext uri="{FF2B5EF4-FFF2-40B4-BE49-F238E27FC236}">
+                <a16:creationId xmlns:a16="http://schemas.microsoft.com/office/drawing/2014/main" id="{8BAB67B3-5219-7BA6-906C-66ED69DA60E7}"/>
+              </a:ext>
+            </a:extLst>
+          </p:cNvPr>
+          <p:cNvCxnSpPr>
+            <a:cxnSpLocks/>
+          </p:cNvCxnSpPr>
+          <p:nvPr/>
+        </p:nvCxnSpPr>
+        <p:spPr>
+          <a:xfrm>
+            <a:off x="11874342" y="8808212"/>
+            <a:ext cx="0" cy="1745343"/>
+          </a:xfrm>
+          <a:prstGeom prst="straightConnector1">
+            <a:avLst/>
+          </a:prstGeom>
+          <a:ln w="38100">
+            <a:solidFill>
+              <a:schemeClr val="accent1"/>
+            </a:solidFill>
+            <a:tailEnd type="triangle"/>
+          </a:ln>
+        </p:spPr>
+        <p:style>
+          <a:lnRef idx="2">
+            <a:schemeClr val="accent1"/>
+          </a:lnRef>
+          <a:fillRef idx="0">
+            <a:schemeClr val="accent1"/>
+          </a:fillRef>
+          <a:effectRef idx="1">
+            <a:schemeClr val="accent1"/>
+          </a:effectRef>
+          <a:fontRef idx="minor">
+            <a:schemeClr val="tx1"/>
+          </a:fontRef>
+        </p:style>
+      </p:cxnSp>
+      <p:cxnSp>
+        <p:nvCxnSpPr>
+          <p:cNvPr id="9" name="Gerade Verbindung mit Pfeil 8">
+            <a:extLst>
+              <a:ext uri="{FF2B5EF4-FFF2-40B4-BE49-F238E27FC236}">
+                <a16:creationId xmlns:a16="http://schemas.microsoft.com/office/drawing/2014/main" id="{A7A1B63B-8975-C285-4AB5-DA249353F38D}"/>
+              </a:ext>
+            </a:extLst>
+          </p:cNvPr>
+          <p:cNvCxnSpPr>
+            <a:cxnSpLocks/>
+          </p:cNvCxnSpPr>
+          <p:nvPr/>
+        </p:nvCxnSpPr>
+        <p:spPr>
+          <a:xfrm flipV="1">
+            <a:off x="12585542" y="8808212"/>
+            <a:ext cx="0" cy="1745343"/>
+          </a:xfrm>
+          <a:prstGeom prst="straightConnector1">
+            <a:avLst/>
+          </a:prstGeom>
+          <a:ln w="38100">
+            <a:solidFill>
+              <a:schemeClr val="accent1"/>
+            </a:solidFill>
+            <a:tailEnd type="triangle"/>
+          </a:ln>
+        </p:spPr>
+        <p:style>
+          <a:lnRef idx="2">
+            <a:schemeClr val="accent1"/>
+          </a:lnRef>
+          <a:fillRef idx="0">
+            <a:schemeClr val="accent1"/>
+          </a:fillRef>
+          <a:effectRef idx="1">
+            <a:schemeClr val="accent1"/>
+          </a:effectRef>
+          <a:fontRef idx="minor">
+            <a:schemeClr val="tx1"/>
+          </a:fontRef>
+        </p:style>
+      </p:cxnSp>
+      <p:sp>
+        <p:nvSpPr>
+          <p:cNvPr id="18" name="Textfeld 17">
+            <a:extLst>
+              <a:ext uri="{FF2B5EF4-FFF2-40B4-BE49-F238E27FC236}">
+                <a16:creationId xmlns:a16="http://schemas.microsoft.com/office/drawing/2014/main" id="{E1DC7A4B-9311-D51D-AA5C-14CE3AB5842B}"/>
+              </a:ext>
+            </a:extLst>
+          </p:cNvPr>
+          <p:cNvSpPr txBox="1"/>
+          <p:nvPr/>
+        </p:nvSpPr>
+        <p:spPr>
+          <a:xfrm rot="16200000">
+            <a:off x="11127855" y="9357717"/>
+            <a:ext cx="1492973" cy="646331"/>
+          </a:xfrm>
+          <a:prstGeom prst="rect">
+            <a:avLst/>
+          </a:prstGeom>
+          <a:noFill/>
+        </p:spPr>
+        <p:txBody>
+          <a:bodyPr wrap="none" rtlCol="0">
+            <a:spAutoFit/>
+          </a:bodyPr>
+          <a:lstStyle/>
+          <a:p>
+            <a:r>
+              <a:rPr lang="de-DE" dirty="0"/>
+              <a:t>Schaltbefehl </a:t>
+            </a:r>
+          </a:p>
+          <a:p>
+            <a:r>
+              <a:rPr lang="de-DE" dirty="0"/>
+              <a:t>Relais</a:t>
+            </a:r>
+          </a:p>
+        </p:txBody>
+      </p:sp>
+      <p:sp>
+        <p:nvSpPr>
+          <p:cNvPr id="21" name="Textfeld 20">
+            <a:extLst>
+              <a:ext uri="{FF2B5EF4-FFF2-40B4-BE49-F238E27FC236}">
+                <a16:creationId xmlns:a16="http://schemas.microsoft.com/office/drawing/2014/main" id="{48E1976A-A753-E0E8-90BA-75A44BA6A251}"/>
+              </a:ext>
+            </a:extLst>
+          </p:cNvPr>
+          <p:cNvSpPr txBox="1"/>
+          <p:nvPr/>
+        </p:nvSpPr>
+        <p:spPr>
+          <a:xfrm rot="16200000">
+            <a:off x="11599483" y="9482909"/>
+            <a:ext cx="1668236" cy="369332"/>
+          </a:xfrm>
+          <a:prstGeom prst="rect">
+            <a:avLst/>
+          </a:prstGeom>
+          <a:noFill/>
+        </p:spPr>
+        <p:txBody>
+          <a:bodyPr wrap="square" rtlCol="0">
+            <a:spAutoFit/>
+          </a:bodyPr>
+          <a:lstStyle/>
+          <a:p>
+            <a:r>
+              <a:rPr lang="de-DE" dirty="0"/>
+              <a:t>Logs/Events </a:t>
             </a:r>
           </a:p>
         </p:txBody>
